--- a/Chap/OOProg02/Presentations/TypeUniverse.pptx
+++ b/Chap/OOProg02/Presentations/TypeUniverse.pptx
@@ -242,7 +242,7 @@
           <a:p>
             <a:fld id="{5E194AD3-5047-48D7-BA3F-E309228B12A1}" type="datetimeFigureOut">
               <a:rPr lang="da-DK" smtClean="0"/>
-              <a:t>12-08-2022</a:t>
+              <a:t>26-08-2024</a:t>
             </a:fld>
             <a:endParaRPr lang="da-DK"/>
           </a:p>
@@ -300,6 +300,18 @@
   <p:clrMapOvr>
     <a:masterClrMapping/>
   </p:clrMapOvr>
+  <mc:AlternateContent xmlns:mc="http://schemas.openxmlformats.org/markup-compatibility/2006">
+    <mc:Choice xmlns:p14="http://schemas.microsoft.com/office/powerpoint/2010/main" Requires="p14">
+      <p:transition spd="med" p14:dur="700">
+        <p:fade/>
+      </p:transition>
+    </mc:Choice>
+    <mc:Fallback>
+      <p:transition spd="med">
+        <p:fade/>
+      </p:transition>
+    </mc:Fallback>
+  </mc:AlternateContent>
 </p:sldLayout>
 </file>
 
@@ -410,7 +422,7 @@
           <a:p>
             <a:fld id="{5E194AD3-5047-48D7-BA3F-E309228B12A1}" type="datetimeFigureOut">
               <a:rPr lang="da-DK" smtClean="0"/>
-              <a:t>12-08-2022</a:t>
+              <a:t>26-08-2024</a:t>
             </a:fld>
             <a:endParaRPr lang="da-DK"/>
           </a:p>
@@ -468,6 +480,18 @@
   <p:clrMapOvr>
     <a:masterClrMapping/>
   </p:clrMapOvr>
+  <mc:AlternateContent xmlns:mc="http://schemas.openxmlformats.org/markup-compatibility/2006">
+    <mc:Choice xmlns:p14="http://schemas.microsoft.com/office/powerpoint/2010/main" Requires="p14">
+      <p:transition spd="med" p14:dur="700">
+        <p:fade/>
+      </p:transition>
+    </mc:Choice>
+    <mc:Fallback>
+      <p:transition spd="med">
+        <p:fade/>
+      </p:transition>
+    </mc:Fallback>
+  </mc:AlternateContent>
 </p:sldLayout>
 </file>
 
@@ -588,7 +612,7 @@
           <a:p>
             <a:fld id="{5E194AD3-5047-48D7-BA3F-E309228B12A1}" type="datetimeFigureOut">
               <a:rPr lang="da-DK" smtClean="0"/>
-              <a:t>12-08-2022</a:t>
+              <a:t>26-08-2024</a:t>
             </a:fld>
             <a:endParaRPr lang="da-DK"/>
           </a:p>
@@ -646,6 +670,18 @@
   <p:clrMapOvr>
     <a:masterClrMapping/>
   </p:clrMapOvr>
+  <mc:AlternateContent xmlns:mc="http://schemas.openxmlformats.org/markup-compatibility/2006">
+    <mc:Choice xmlns:p14="http://schemas.microsoft.com/office/powerpoint/2010/main" Requires="p14">
+      <p:transition spd="med" p14:dur="700">
+        <p:fade/>
+      </p:transition>
+    </mc:Choice>
+    <mc:Fallback>
+      <p:transition spd="med">
+        <p:fade/>
+      </p:transition>
+    </mc:Fallback>
+  </mc:AlternateContent>
 </p:sldLayout>
 </file>
 
@@ -756,7 +792,7 @@
           <a:p>
             <a:fld id="{5E194AD3-5047-48D7-BA3F-E309228B12A1}" type="datetimeFigureOut">
               <a:rPr lang="da-DK" smtClean="0"/>
-              <a:t>12-08-2022</a:t>
+              <a:t>26-08-2024</a:t>
             </a:fld>
             <a:endParaRPr lang="da-DK"/>
           </a:p>
@@ -814,6 +850,18 @@
   <p:clrMapOvr>
     <a:masterClrMapping/>
   </p:clrMapOvr>
+  <mc:AlternateContent xmlns:mc="http://schemas.openxmlformats.org/markup-compatibility/2006">
+    <mc:Choice xmlns:p14="http://schemas.microsoft.com/office/powerpoint/2010/main" Requires="p14">
+      <p:transition spd="med" p14:dur="700">
+        <p:fade/>
+      </p:transition>
+    </mc:Choice>
+    <mc:Fallback>
+      <p:transition spd="med">
+        <p:fade/>
+      </p:transition>
+    </mc:Fallback>
+  </mc:AlternateContent>
 </p:sldLayout>
 </file>
 
@@ -1001,7 +1049,7 @@
           <a:p>
             <a:fld id="{5E194AD3-5047-48D7-BA3F-E309228B12A1}" type="datetimeFigureOut">
               <a:rPr lang="da-DK" smtClean="0"/>
-              <a:t>12-08-2022</a:t>
+              <a:t>26-08-2024</a:t>
             </a:fld>
             <a:endParaRPr lang="da-DK"/>
           </a:p>
@@ -1059,6 +1107,18 @@
   <p:clrMapOvr>
     <a:masterClrMapping/>
   </p:clrMapOvr>
+  <mc:AlternateContent xmlns:mc="http://schemas.openxmlformats.org/markup-compatibility/2006">
+    <mc:Choice xmlns:p14="http://schemas.microsoft.com/office/powerpoint/2010/main" Requires="p14">
+      <p:transition spd="med" p14:dur="700">
+        <p:fade/>
+      </p:transition>
+    </mc:Choice>
+    <mc:Fallback>
+      <p:transition spd="med">
+        <p:fade/>
+      </p:transition>
+    </mc:Fallback>
+  </mc:AlternateContent>
 </p:sldLayout>
 </file>
 
@@ -1230,7 +1290,7 @@
           <a:p>
             <a:fld id="{5E194AD3-5047-48D7-BA3F-E309228B12A1}" type="datetimeFigureOut">
               <a:rPr lang="da-DK" smtClean="0"/>
-              <a:t>12-08-2022</a:t>
+              <a:t>26-08-2024</a:t>
             </a:fld>
             <a:endParaRPr lang="da-DK"/>
           </a:p>
@@ -1288,6 +1348,18 @@
   <p:clrMapOvr>
     <a:masterClrMapping/>
   </p:clrMapOvr>
+  <mc:AlternateContent xmlns:mc="http://schemas.openxmlformats.org/markup-compatibility/2006">
+    <mc:Choice xmlns:p14="http://schemas.microsoft.com/office/powerpoint/2010/main" Requires="p14">
+      <p:transition spd="med" p14:dur="700">
+        <p:fade/>
+      </p:transition>
+    </mc:Choice>
+    <mc:Fallback>
+      <p:transition spd="med">
+        <p:fade/>
+      </p:transition>
+    </mc:Fallback>
+  </mc:AlternateContent>
 </p:sldLayout>
 </file>
 
@@ -1594,7 +1666,7 @@
           <a:p>
             <a:fld id="{5E194AD3-5047-48D7-BA3F-E309228B12A1}" type="datetimeFigureOut">
               <a:rPr lang="da-DK" smtClean="0"/>
-              <a:t>12-08-2022</a:t>
+              <a:t>26-08-2024</a:t>
             </a:fld>
             <a:endParaRPr lang="da-DK"/>
           </a:p>
@@ -1652,6 +1724,18 @@
   <p:clrMapOvr>
     <a:masterClrMapping/>
   </p:clrMapOvr>
+  <mc:AlternateContent xmlns:mc="http://schemas.openxmlformats.org/markup-compatibility/2006">
+    <mc:Choice xmlns:p14="http://schemas.microsoft.com/office/powerpoint/2010/main" Requires="p14">
+      <p:transition spd="med" p14:dur="700">
+        <p:fade/>
+      </p:transition>
+    </mc:Choice>
+    <mc:Fallback>
+      <p:transition spd="med">
+        <p:fade/>
+      </p:transition>
+    </mc:Fallback>
+  </mc:AlternateContent>
 </p:sldLayout>
 </file>
 
@@ -1711,7 +1795,7 @@
           <a:p>
             <a:fld id="{5E194AD3-5047-48D7-BA3F-E309228B12A1}" type="datetimeFigureOut">
               <a:rPr lang="da-DK" smtClean="0"/>
-              <a:t>12-08-2022</a:t>
+              <a:t>26-08-2024</a:t>
             </a:fld>
             <a:endParaRPr lang="da-DK"/>
           </a:p>
@@ -1769,6 +1853,18 @@
   <p:clrMapOvr>
     <a:masterClrMapping/>
   </p:clrMapOvr>
+  <mc:AlternateContent xmlns:mc="http://schemas.openxmlformats.org/markup-compatibility/2006">
+    <mc:Choice xmlns:p14="http://schemas.microsoft.com/office/powerpoint/2010/main" Requires="p14">
+      <p:transition spd="med" p14:dur="700">
+        <p:fade/>
+      </p:transition>
+    </mc:Choice>
+    <mc:Fallback>
+      <p:transition spd="med">
+        <p:fade/>
+      </p:transition>
+    </mc:Fallback>
+  </mc:AlternateContent>
 </p:sldLayout>
 </file>
 
@@ -1806,7 +1902,7 @@
           <a:p>
             <a:fld id="{5E194AD3-5047-48D7-BA3F-E309228B12A1}" type="datetimeFigureOut">
               <a:rPr lang="da-DK" smtClean="0"/>
-              <a:t>12-08-2022</a:t>
+              <a:t>26-08-2024</a:t>
             </a:fld>
             <a:endParaRPr lang="da-DK"/>
           </a:p>
@@ -1864,6 +1960,18 @@
   <p:clrMapOvr>
     <a:masterClrMapping/>
   </p:clrMapOvr>
+  <mc:AlternateContent xmlns:mc="http://schemas.openxmlformats.org/markup-compatibility/2006">
+    <mc:Choice xmlns:p14="http://schemas.microsoft.com/office/powerpoint/2010/main" Requires="p14">
+      <p:transition spd="med" p14:dur="700">
+        <p:fade/>
+      </p:transition>
+    </mc:Choice>
+    <mc:Fallback>
+      <p:transition spd="med">
+        <p:fade/>
+      </p:transition>
+    </mc:Fallback>
+  </mc:AlternateContent>
 </p:sldLayout>
 </file>
 
@@ -2081,7 +2189,7 @@
           <a:p>
             <a:fld id="{5E194AD3-5047-48D7-BA3F-E309228B12A1}" type="datetimeFigureOut">
               <a:rPr lang="da-DK" smtClean="0"/>
-              <a:t>12-08-2022</a:t>
+              <a:t>26-08-2024</a:t>
             </a:fld>
             <a:endParaRPr lang="da-DK"/>
           </a:p>
@@ -2139,6 +2247,18 @@
   <p:clrMapOvr>
     <a:masterClrMapping/>
   </p:clrMapOvr>
+  <mc:AlternateContent xmlns:mc="http://schemas.openxmlformats.org/markup-compatibility/2006">
+    <mc:Choice xmlns:p14="http://schemas.microsoft.com/office/powerpoint/2010/main" Requires="p14">
+      <p:transition spd="med" p14:dur="700">
+        <p:fade/>
+      </p:transition>
+    </mc:Choice>
+    <mc:Fallback>
+      <p:transition spd="med">
+        <p:fade/>
+      </p:transition>
+    </mc:Fallback>
+  </mc:AlternateContent>
 </p:sldLayout>
 </file>
 
@@ -2333,7 +2453,7 @@
           <a:p>
             <a:fld id="{5E194AD3-5047-48D7-BA3F-E309228B12A1}" type="datetimeFigureOut">
               <a:rPr lang="da-DK" smtClean="0"/>
-              <a:t>12-08-2022</a:t>
+              <a:t>26-08-2024</a:t>
             </a:fld>
             <a:endParaRPr lang="da-DK"/>
           </a:p>
@@ -2391,6 +2511,18 @@
   <p:clrMapOvr>
     <a:masterClrMapping/>
   </p:clrMapOvr>
+  <mc:AlternateContent xmlns:mc="http://schemas.openxmlformats.org/markup-compatibility/2006">
+    <mc:Choice xmlns:p14="http://schemas.microsoft.com/office/powerpoint/2010/main" Requires="p14">
+      <p:transition spd="med" p14:dur="700">
+        <p:fade/>
+      </p:transition>
+    </mc:Choice>
+    <mc:Fallback>
+      <p:transition spd="med">
+        <p:fade/>
+      </p:transition>
+    </mc:Fallback>
+  </mc:AlternateContent>
 </p:sldLayout>
 </file>
 
@@ -2544,7 +2676,7 @@
           <a:p>
             <a:fld id="{5E194AD3-5047-48D7-BA3F-E309228B12A1}" type="datetimeFigureOut">
               <a:rPr lang="da-DK" smtClean="0"/>
-              <a:t>12-08-2022</a:t>
+              <a:t>26-08-2024</a:t>
             </a:fld>
             <a:endParaRPr lang="da-DK"/>
           </a:p>
@@ -2649,6 +2781,18 @@
     <p:sldLayoutId id="2147483658" r:id="rId10"/>
     <p:sldLayoutId id="2147483659" r:id="rId11"/>
   </p:sldLayoutIdLst>
+  <mc:AlternateContent xmlns:mc="http://schemas.openxmlformats.org/markup-compatibility/2006">
+    <mc:Choice xmlns:p14="http://schemas.microsoft.com/office/powerpoint/2010/main" Requires="p14">
+      <p:transition spd="med" p14:dur="700">
+        <p:fade/>
+      </p:transition>
+    </mc:Choice>
+    <mc:Fallback>
+      <p:transition spd="med">
+        <p:fade/>
+      </p:transition>
+    </mc:Fallback>
+  </mc:AlternateContent>
   <p:txStyles>
     <p:titleStyle>
       <a:lvl1pPr algn="l" defTabSz="914400" rtl="0" eaLnBrk="1" latinLnBrk="0" hangingPunct="1">
@@ -3470,6 +3614,18 @@
   <p:clrMapOvr>
     <a:masterClrMapping/>
   </p:clrMapOvr>
+  <mc:AlternateContent xmlns:mc="http://schemas.openxmlformats.org/markup-compatibility/2006">
+    <mc:Choice xmlns:p14="http://schemas.microsoft.com/office/powerpoint/2010/main" Requires="p14">
+      <p:transition spd="med" p14:dur="700">
+        <p:fade/>
+      </p:transition>
+    </mc:Choice>
+    <mc:Fallback>
+      <p:transition spd="med">
+        <p:fade/>
+      </p:transition>
+    </mc:Fallback>
+  </mc:AlternateContent>
 </p:sld>
 </file>
 
@@ -3679,6 +3835,18 @@
   <p:clrMapOvr>
     <a:masterClrMapping/>
   </p:clrMapOvr>
+  <mc:AlternateContent xmlns:mc="http://schemas.openxmlformats.org/markup-compatibility/2006">
+    <mc:Choice xmlns:p14="http://schemas.microsoft.com/office/powerpoint/2010/main" Requires="p14">
+      <p:transition spd="med" p14:dur="700">
+        <p:fade/>
+      </p:transition>
+    </mc:Choice>
+    <mc:Fallback>
+      <p:transition spd="med">
+        <p:fade/>
+      </p:transition>
+    </mc:Fallback>
+  </mc:AlternateContent>
 </p:sld>
 </file>
 
